--- a/CCSGPUBs.pptx
+++ b/CCSGPUBs.pptx
@@ -218,7 +218,7 @@
           <a:p>
             <a:fld id="{9949AF7C-BAC0-4567-BF74-F3CECF962AA6}" type="datetimeFigureOut">
               <a:rPr lang="en-US" smtClean="0"/>
-              <a:t>4/13/2016</a:t>
+              <a:t>5/25/2016</a:t>
             </a:fld>
             <a:endParaRPr lang="en-US" dirty="0"/>
           </a:p>
@@ -5040,7 +5040,7 @@
           <a:p>
             <a:fld id="{F9C784E0-3268-450A-98DC-86296AB2FCED}" type="datetimeFigureOut">
               <a:rPr lang="en-US" smtClean="0"/>
-              <a:t>4/13/2016</a:t>
+              <a:t>5/25/2016</a:t>
             </a:fld>
             <a:endParaRPr lang="en-US" dirty="0"/>
           </a:p>
@@ -9251,7 +9251,19 @@
             </a:pPr>
             <a:r>
               <a:rPr lang="en-US" sz="2400" dirty="0" smtClean="0"/>
-              <a:t>CCSGPubs is an application written in php. The application fetches publications form PubMed, </a:t>
+              <a:t>CCSGPubs is an application written in php. The application fetches </a:t>
+            </a:r>
+            <a:r>
+              <a:rPr lang="en-US" sz="2400" smtClean="0"/>
+              <a:t>publications </a:t>
+            </a:r>
+            <a:r>
+              <a:rPr lang="en-US" sz="2400" smtClean="0"/>
+              <a:t>from </a:t>
+            </a:r>
+            <a:r>
+              <a:rPr lang="en-US" sz="2400" dirty="0" smtClean="0"/>
+              <a:t>PubMed, </a:t>
             </a:r>
             <a:r>
               <a:rPr lang="en-US" sz="2400" dirty="0"/>
@@ -10930,15 +10942,7 @@
             </a:r>
             <a:r>
               <a:rPr lang="en-US" sz="2400" dirty="0" smtClean="0"/>
-              <a:t> Publication </a:t>
-            </a:r>
-            <a:r>
-              <a:rPr lang="en-US" sz="2400" dirty="0" smtClean="0"/>
-              <a:t>Display Menu</a:t>
-            </a:r>
-            <a:r>
-              <a:rPr lang="en-US" sz="2400" dirty="0" smtClean="0"/>
-              <a:t>:</a:t>
+              <a:t> Publication Display Menu:</a:t>
             </a:r>
             <a:endParaRPr lang="en-US" sz="2400" dirty="0"/>
           </a:p>
@@ -10968,11 +10972,7 @@
             </a:r>
             <a:r>
               <a:rPr lang="en-US" sz="2400" dirty="0" smtClean="0"/>
-              <a:t>(no </a:t>
-            </a:r>
-            <a:r>
-              <a:rPr lang="en-US" sz="2400" dirty="0" smtClean="0"/>
-              <a:t>login required)</a:t>
+              <a:t>(no login required)</a:t>
             </a:r>
             <a:endParaRPr lang="en-US" sz="2400" dirty="0"/>
           </a:p>
